--- a/11-stream_file/00-stream_file.pptx
+++ b/11-stream_file/00-stream_file.pptx
@@ -31,8 +31,9 @@
     <p:sldId id="319" r:id="rId25"/>
     <p:sldId id="321" r:id="rId26"/>
     <p:sldId id="320" r:id="rId27"/>
-    <p:sldId id="322" r:id="rId28"/>
-    <p:sldId id="294" r:id="rId29"/>
+    <p:sldId id="324" r:id="rId28"/>
+    <p:sldId id="322" r:id="rId29"/>
+    <p:sldId id="294" r:id="rId30"/>
   </p:sldIdLst>
   <p:sldSz cx="12192000" cy="6858000"/>
   <p:notesSz cx="6858000" cy="9144000"/>
@@ -286,7 +287,7 @@
           <a:p>
             <a:fld id="{87DFA0E8-174F-457D-A281-0FCE3F99AF07}" type="datetimeFigureOut">
               <a:rPr lang="zh-TW" altLang="en-US" smtClean="0"/>
-              <a:t>2021/12/6</a:t>
+              <a:t>2021/12/9</a:t>
             </a:fld>
             <a:endParaRPr lang="zh-TW" altLang="en-US"/>
           </a:p>
@@ -484,7 +485,7 @@
           <a:p>
             <a:fld id="{87DFA0E8-174F-457D-A281-0FCE3F99AF07}" type="datetimeFigureOut">
               <a:rPr lang="zh-TW" altLang="en-US" smtClean="0"/>
-              <a:t>2021/12/6</a:t>
+              <a:t>2021/12/9</a:t>
             </a:fld>
             <a:endParaRPr lang="zh-TW" altLang="en-US"/>
           </a:p>
@@ -692,7 +693,7 @@
           <a:p>
             <a:fld id="{87DFA0E8-174F-457D-A281-0FCE3F99AF07}" type="datetimeFigureOut">
               <a:rPr lang="zh-TW" altLang="en-US" smtClean="0"/>
-              <a:t>2021/12/6</a:t>
+              <a:t>2021/12/9</a:t>
             </a:fld>
             <a:endParaRPr lang="zh-TW" altLang="en-US"/>
           </a:p>
@@ -890,7 +891,7 @@
           <a:p>
             <a:fld id="{87DFA0E8-174F-457D-A281-0FCE3F99AF07}" type="datetimeFigureOut">
               <a:rPr lang="zh-TW" altLang="en-US" smtClean="0"/>
-              <a:t>2021/12/6</a:t>
+              <a:t>2021/12/9</a:t>
             </a:fld>
             <a:endParaRPr lang="zh-TW" altLang="en-US"/>
           </a:p>
@@ -1165,7 +1166,7 @@
           <a:p>
             <a:fld id="{87DFA0E8-174F-457D-A281-0FCE3F99AF07}" type="datetimeFigureOut">
               <a:rPr lang="zh-TW" altLang="en-US" smtClean="0"/>
-              <a:t>2021/12/6</a:t>
+              <a:t>2021/12/9</a:t>
             </a:fld>
             <a:endParaRPr lang="zh-TW" altLang="en-US"/>
           </a:p>
@@ -1430,7 +1431,7 @@
           <a:p>
             <a:fld id="{87DFA0E8-174F-457D-A281-0FCE3F99AF07}" type="datetimeFigureOut">
               <a:rPr lang="zh-TW" altLang="en-US" smtClean="0"/>
-              <a:t>2021/12/6</a:t>
+              <a:t>2021/12/9</a:t>
             </a:fld>
             <a:endParaRPr lang="zh-TW" altLang="en-US"/>
           </a:p>
@@ -1842,7 +1843,7 @@
           <a:p>
             <a:fld id="{87DFA0E8-174F-457D-A281-0FCE3F99AF07}" type="datetimeFigureOut">
               <a:rPr lang="zh-TW" altLang="en-US" smtClean="0"/>
-              <a:t>2021/12/6</a:t>
+              <a:t>2021/12/9</a:t>
             </a:fld>
             <a:endParaRPr lang="zh-TW" altLang="en-US"/>
           </a:p>
@@ -1983,7 +1984,7 @@
           <a:p>
             <a:fld id="{87DFA0E8-174F-457D-A281-0FCE3F99AF07}" type="datetimeFigureOut">
               <a:rPr lang="zh-TW" altLang="en-US" smtClean="0"/>
-              <a:t>2021/12/6</a:t>
+              <a:t>2021/12/9</a:t>
             </a:fld>
             <a:endParaRPr lang="zh-TW" altLang="en-US"/>
           </a:p>
@@ -2096,7 +2097,7 @@
           <a:p>
             <a:fld id="{87DFA0E8-174F-457D-A281-0FCE3F99AF07}" type="datetimeFigureOut">
               <a:rPr lang="zh-TW" altLang="en-US" smtClean="0"/>
-              <a:t>2021/12/6</a:t>
+              <a:t>2021/12/9</a:t>
             </a:fld>
             <a:endParaRPr lang="zh-TW" altLang="en-US"/>
           </a:p>
@@ -2407,7 +2408,7 @@
           <a:p>
             <a:fld id="{87DFA0E8-174F-457D-A281-0FCE3F99AF07}" type="datetimeFigureOut">
               <a:rPr lang="zh-TW" altLang="en-US" smtClean="0"/>
-              <a:t>2021/12/6</a:t>
+              <a:t>2021/12/9</a:t>
             </a:fld>
             <a:endParaRPr lang="zh-TW" altLang="en-US"/>
           </a:p>
@@ -2695,7 +2696,7 @@
           <a:p>
             <a:fld id="{87DFA0E8-174F-457D-A281-0FCE3F99AF07}" type="datetimeFigureOut">
               <a:rPr lang="zh-TW" altLang="en-US" smtClean="0"/>
-              <a:t>2021/12/6</a:t>
+              <a:t>2021/12/9</a:t>
             </a:fld>
             <a:endParaRPr lang="zh-TW" altLang="en-US"/>
           </a:p>
@@ -2936,7 +2937,7 @@
           <a:p>
             <a:fld id="{87DFA0E8-174F-457D-A281-0FCE3F99AF07}" type="datetimeFigureOut">
               <a:rPr lang="zh-TW" altLang="en-US" smtClean="0"/>
-              <a:t>2021/12/6</a:t>
+              <a:t>2021/12/9</a:t>
             </a:fld>
             <a:endParaRPr lang="zh-TW" altLang="en-US"/>
           </a:p>
@@ -20651,7 +20652,7 @@
                 <a:solidFill>
                   <a:srgbClr val="000000"/>
                 </a:solidFill>
-                <a:latin typeface="DejaVuSans"/>
+                <a:latin typeface="Calibri (本文)"/>
               </a:rPr>
               <a:t>tell[g/p]() -&gt; </a:t>
             </a:r>
@@ -20661,7 +20662,7 @@
                   <a:srgbClr val="000000"/>
                 </a:solidFill>
                 <a:effectLst/>
-                <a:latin typeface="DejaVuSans"/>
+                <a:latin typeface="Calibri (本文)"/>
               </a:rPr>
               <a:t>returns the input/output position indicator.</a:t>
             </a:r>
@@ -20672,7 +20673,7 @@
                 <a:solidFill>
                   <a:srgbClr val="000000"/>
                 </a:solidFill>
-                <a:latin typeface="DejaVuSans"/>
+                <a:latin typeface="Calibri (本文)"/>
               </a:rPr>
               <a:t>seek[g/p](offset, </a:t>
             </a:r>
@@ -20681,7 +20682,7 @@
                 <a:solidFill>
                   <a:srgbClr val="000000"/>
                 </a:solidFill>
-                <a:latin typeface="DejaVuSans"/>
+                <a:latin typeface="Calibri (本文)"/>
               </a:rPr>
               <a:t>dir</a:t>
             </a:r>
@@ -20690,7 +20691,7 @@
                 <a:solidFill>
                   <a:srgbClr val="000000"/>
                 </a:solidFill>
-                <a:latin typeface="DejaVuSans"/>
+                <a:latin typeface="Calibri (本文)"/>
               </a:rPr>
               <a:t>) -&gt; </a:t>
             </a:r>
@@ -20700,15 +20701,19 @@
                   <a:srgbClr val="000000"/>
                 </a:solidFill>
                 <a:effectLst/>
-                <a:latin typeface="DejaVuSans"/>
+                <a:latin typeface="Calibri (本文)"/>
               </a:rPr>
               <a:t>sets the input/output position indicator </a:t>
             </a:r>
-            <a:endParaRPr lang="en-US" altLang="zh-TW" dirty="0"/>
-          </a:p>
-          <a:p>
-            <a:r>
-              <a:rPr lang="en-US" altLang="zh-TW" dirty="0"/>
+            <a:endParaRPr lang="en-US" altLang="zh-TW" dirty="0">
+              <a:latin typeface="Calibri (本文)"/>
+            </a:endParaRPr>
+          </a:p>
+          <a:p>
+            <a:r>
+              <a:rPr lang="en-US" altLang="zh-TW" dirty="0">
+                <a:latin typeface="Calibri (本文)"/>
+              </a:rPr>
               <a:t>offset -&gt; </a:t>
             </a:r>
             <a:r>
@@ -20717,7 +20722,7 @@
                   <a:srgbClr val="000000"/>
                 </a:solidFill>
                 <a:effectLst/>
-                <a:latin typeface="DejaVuSans"/>
+                <a:latin typeface="Calibri (本文)"/>
               </a:rPr>
               <a:t>relative position (positive or negative) to set the input position indicator to.</a:t>
             </a:r>
@@ -20728,7 +20733,7 @@
                 <a:solidFill>
                   <a:srgbClr val="000000"/>
                 </a:solidFill>
-                <a:latin typeface="DejaVuSans"/>
+                <a:latin typeface="Calibri (本文)"/>
               </a:rPr>
               <a:t>dir</a:t>
             </a:r>
@@ -20738,11 +20743,13 @@
                   <a:srgbClr val="000000"/>
                 </a:solidFill>
                 <a:effectLst/>
-                <a:latin typeface="DejaVuSans"/>
+                <a:latin typeface="Calibri (本文)"/>
               </a:rPr>
               <a:t> -&gt; defines base position to apply the relative offset to.</a:t>
             </a:r>
-            <a:endParaRPr lang="en-US" altLang="zh-TW" dirty="0"/>
+            <a:endParaRPr lang="en-US" altLang="zh-TW" dirty="0">
+              <a:latin typeface="Calibri (本文)"/>
+            </a:endParaRPr>
           </a:p>
           <a:p>
             <a:endParaRPr lang="zh-TW" altLang="en-US" dirty="0"/>
@@ -24607,6 +24614,2155 @@
           <p:cNvPr id="2" name="標題 1">
             <a:extLst>
               <a:ext uri="{FF2B5EF4-FFF2-40B4-BE49-F238E27FC236}">
+                <a16:creationId xmlns:a16="http://schemas.microsoft.com/office/drawing/2014/main" id="{606E01A9-3EB4-4400-9C8B-5A98DBBE0249}"/>
+              </a:ext>
+            </a:extLst>
+          </p:cNvPr>
+          <p:cNvSpPr>
+            <a:spLocks noGrp="1"/>
+          </p:cNvSpPr>
+          <p:nvPr>
+            <p:ph type="title"/>
+          </p:nvPr>
+        </p:nvSpPr>
+        <p:spPr/>
+        <p:txBody>
+          <a:bodyPr/>
+          <a:lstStyle/>
+          <a:p>
+            <a:r>
+              <a:rPr lang="en-US" altLang="zh-TW" dirty="0" err="1"/>
+              <a:t>reinterpret_cast</a:t>
+            </a:r>
+            <a:endParaRPr lang="zh-TW" altLang="en-US" dirty="0"/>
+          </a:p>
+        </p:txBody>
+      </p:sp>
+      <p:sp>
+        <p:nvSpPr>
+          <p:cNvPr id="3" name="內容版面配置區 2">
+            <a:extLst>
+              <a:ext uri="{FF2B5EF4-FFF2-40B4-BE49-F238E27FC236}">
+                <a16:creationId xmlns:a16="http://schemas.microsoft.com/office/drawing/2014/main" id="{A1619D9F-E173-43E1-B659-8C34C4E3FEE2}"/>
+              </a:ext>
+            </a:extLst>
+          </p:cNvPr>
+          <p:cNvSpPr>
+            <a:spLocks noGrp="1"/>
+          </p:cNvSpPr>
+          <p:nvPr>
+            <p:ph idx="1"/>
+          </p:nvPr>
+        </p:nvSpPr>
+        <p:spPr/>
+        <p:txBody>
+          <a:bodyPr/>
+          <a:lstStyle/>
+          <a:p>
+            <a:r>
+              <a:rPr lang="en-US" altLang="zh-TW" dirty="0"/>
+              <a:t>Converts between types by reinterpreting the underlying bit pattern.</a:t>
+            </a:r>
+            <a:endParaRPr lang="zh-TW" altLang="en-US" dirty="0"/>
+          </a:p>
+          <a:p>
+            <a:pPr marL="0" indent="0">
+              <a:buNone/>
+            </a:pPr>
+            <a:endParaRPr lang="en-US" altLang="zh-TW" dirty="0"/>
+          </a:p>
+          <a:p>
+            <a:endParaRPr lang="en-US" altLang="zh-TW" dirty="0"/>
+          </a:p>
+          <a:p>
+            <a:endParaRPr lang="en-US" altLang="zh-TW" dirty="0"/>
+          </a:p>
+          <a:p>
+            <a:endParaRPr lang="en-US" altLang="zh-TW" dirty="0"/>
+          </a:p>
+          <a:p>
+            <a:endParaRPr lang="en-US" altLang="zh-TW" dirty="0"/>
+          </a:p>
+        </p:txBody>
+      </p:sp>
+      <p:graphicFrame>
+        <p:nvGraphicFramePr>
+          <p:cNvPr id="4" name="表格 4">
+            <a:extLst>
+              <a:ext uri="{FF2B5EF4-FFF2-40B4-BE49-F238E27FC236}">
+                <a16:creationId xmlns:a16="http://schemas.microsoft.com/office/drawing/2014/main" id="{5BAFDE9E-720B-4FDA-98C4-A3FF7A2B1EA1}"/>
+              </a:ext>
+            </a:extLst>
+          </p:cNvPr>
+          <p:cNvGraphicFramePr>
+            <a:graphicFrameLocks noGrp="1"/>
+          </p:cNvGraphicFramePr>
+          <p:nvPr>
+            <p:extLst>
+              <p:ext uri="{D42A27DB-BD31-4B8C-83A1-F6EECF244321}">
+                <p14:modId xmlns:p14="http://schemas.microsoft.com/office/powerpoint/2010/main" val="4224897366"/>
+              </p:ext>
+            </p:extLst>
+          </p:nvPr>
+        </p:nvGraphicFramePr>
+        <p:xfrm>
+          <a:off x="614259" y="2668936"/>
+          <a:ext cx="5543262" cy="2966720"/>
+        </p:xfrm>
+        <a:graphic>
+          <a:graphicData uri="http://schemas.openxmlformats.org/drawingml/2006/table">
+            <a:tbl>
+              <a:tblPr firstRow="1" bandRow="1">
+                <a:tableStyleId>{5C22544A-7EE6-4342-B048-85BDC9FD1C3A}</a:tableStyleId>
+              </a:tblPr>
+              <a:tblGrid>
+                <a:gridCol w="923877">
+                  <a:extLst>
+                    <a:ext uri="{9D8B030D-6E8A-4147-A177-3AD203B41FA5}">
+                      <a16:colId xmlns:a16="http://schemas.microsoft.com/office/drawing/2014/main" val="2980787387"/>
+                    </a:ext>
+                  </a:extLst>
+                </a:gridCol>
+                <a:gridCol w="923877">
+                  <a:extLst>
+                    <a:ext uri="{9D8B030D-6E8A-4147-A177-3AD203B41FA5}">
+                      <a16:colId xmlns:a16="http://schemas.microsoft.com/office/drawing/2014/main" val="1992985801"/>
+                    </a:ext>
+                  </a:extLst>
+                </a:gridCol>
+                <a:gridCol w="923877">
+                  <a:extLst>
+                    <a:ext uri="{9D8B030D-6E8A-4147-A177-3AD203B41FA5}">
+                      <a16:colId xmlns:a16="http://schemas.microsoft.com/office/drawing/2014/main" val="2782475494"/>
+                    </a:ext>
+                  </a:extLst>
+                </a:gridCol>
+                <a:gridCol w="923877">
+                  <a:extLst>
+                    <a:ext uri="{9D8B030D-6E8A-4147-A177-3AD203B41FA5}">
+                      <a16:colId xmlns:a16="http://schemas.microsoft.com/office/drawing/2014/main" val="1166720475"/>
+                    </a:ext>
+                  </a:extLst>
+                </a:gridCol>
+                <a:gridCol w="923877">
+                  <a:extLst>
+                    <a:ext uri="{9D8B030D-6E8A-4147-A177-3AD203B41FA5}">
+                      <a16:colId xmlns:a16="http://schemas.microsoft.com/office/drawing/2014/main" val="1222509013"/>
+                    </a:ext>
+                  </a:extLst>
+                </a:gridCol>
+                <a:gridCol w="923877">
+                  <a:extLst>
+                    <a:ext uri="{9D8B030D-6E8A-4147-A177-3AD203B41FA5}">
+                      <a16:colId xmlns:a16="http://schemas.microsoft.com/office/drawing/2014/main" val="3663689711"/>
+                    </a:ext>
+                  </a:extLst>
+                </a:gridCol>
+              </a:tblGrid>
+              <a:tr h="370840">
+                <a:tc>
+                  <a:txBody>
+                    <a:bodyPr/>
+                    <a:lstStyle/>
+                    <a:p>
+                      <a:pPr algn="ctr"/>
+                      <a:endParaRPr lang="zh-TW" altLang="en-US" dirty="0"/>
+                    </a:p>
+                  </a:txBody>
+                  <a:tcPr/>
+                </a:tc>
+                <a:tc>
+                  <a:txBody>
+                    <a:bodyPr/>
+                    <a:lstStyle/>
+                    <a:p>
+                      <a:pPr algn="ctr"/>
+                      <a:r>
+                        <a:rPr lang="en-US" altLang="zh-TW" sz="1800" b="1" kern="1200" dirty="0">
+                          <a:solidFill>
+                            <a:schemeClr val="lt1"/>
+                          </a:solidFill>
+                          <a:effectLst/>
+                          <a:latin typeface="+mn-lt"/>
+                          <a:ea typeface="+mn-ea"/>
+                          <a:cs typeface="+mn-cs"/>
+                        </a:rPr>
+                        <a:t>2</a:t>
+                      </a:r>
+                      <a:r>
+                        <a:rPr lang="en-US" altLang="zh-TW" sz="1800" b="1" kern="1200" baseline="30000" dirty="0">
+                          <a:solidFill>
+                            <a:schemeClr val="lt1"/>
+                          </a:solidFill>
+                          <a:effectLst/>
+                          <a:latin typeface="+mn-lt"/>
+                          <a:ea typeface="+mn-ea"/>
+                          <a:cs typeface="+mn-cs"/>
+                        </a:rPr>
+                        <a:t>3</a:t>
+                      </a:r>
+                      <a:endParaRPr lang="zh-TW" altLang="en-US" dirty="0"/>
+                    </a:p>
+                  </a:txBody>
+                  <a:tcPr/>
+                </a:tc>
+                <a:tc>
+                  <a:txBody>
+                    <a:bodyPr/>
+                    <a:lstStyle/>
+                    <a:p>
+                      <a:pPr algn="ctr"/>
+                      <a:r>
+                        <a:rPr lang="en-US" altLang="zh-TW" sz="1800" b="1" kern="1200" dirty="0">
+                          <a:solidFill>
+                            <a:schemeClr val="lt1"/>
+                          </a:solidFill>
+                          <a:effectLst/>
+                          <a:latin typeface="+mn-lt"/>
+                          <a:ea typeface="+mn-ea"/>
+                          <a:cs typeface="+mn-cs"/>
+                        </a:rPr>
+                        <a:t>2</a:t>
+                      </a:r>
+                      <a:r>
+                        <a:rPr lang="en-US" altLang="zh-TW" sz="1800" b="1" kern="1200" baseline="30000" dirty="0">
+                          <a:solidFill>
+                            <a:schemeClr val="lt1"/>
+                          </a:solidFill>
+                          <a:effectLst/>
+                          <a:latin typeface="+mn-lt"/>
+                          <a:ea typeface="+mn-ea"/>
+                          <a:cs typeface="+mn-cs"/>
+                        </a:rPr>
+                        <a:t>2</a:t>
+                      </a:r>
+                      <a:endParaRPr lang="zh-TW" altLang="en-US" dirty="0"/>
+                    </a:p>
+                  </a:txBody>
+                  <a:tcPr/>
+                </a:tc>
+                <a:tc>
+                  <a:txBody>
+                    <a:bodyPr/>
+                    <a:lstStyle/>
+                    <a:p>
+                      <a:pPr algn="ctr"/>
+                      <a:r>
+                        <a:rPr lang="en-US" altLang="zh-TW" sz="1800" b="1" kern="1200" dirty="0">
+                          <a:solidFill>
+                            <a:schemeClr val="lt1"/>
+                          </a:solidFill>
+                          <a:effectLst/>
+                          <a:latin typeface="+mn-lt"/>
+                          <a:ea typeface="+mn-ea"/>
+                          <a:cs typeface="+mn-cs"/>
+                        </a:rPr>
+                        <a:t>2</a:t>
+                      </a:r>
+                      <a:r>
+                        <a:rPr lang="en-US" altLang="zh-TW" sz="1800" b="1" kern="1200" baseline="30000" dirty="0">
+                          <a:solidFill>
+                            <a:schemeClr val="lt1"/>
+                          </a:solidFill>
+                          <a:effectLst/>
+                          <a:latin typeface="+mn-lt"/>
+                          <a:ea typeface="+mn-ea"/>
+                          <a:cs typeface="+mn-cs"/>
+                        </a:rPr>
+                        <a:t>1</a:t>
+                      </a:r>
+                      <a:endParaRPr lang="zh-TW" altLang="en-US" dirty="0"/>
+                    </a:p>
+                  </a:txBody>
+                  <a:tcPr/>
+                </a:tc>
+                <a:tc>
+                  <a:txBody>
+                    <a:bodyPr/>
+                    <a:lstStyle/>
+                    <a:p>
+                      <a:pPr algn="ctr"/>
+                      <a:r>
+                        <a:rPr lang="en-US" altLang="zh-TW" sz="1800" b="1" kern="1200" dirty="0">
+                          <a:solidFill>
+                            <a:schemeClr val="lt1"/>
+                          </a:solidFill>
+                          <a:effectLst/>
+                          <a:latin typeface="+mn-lt"/>
+                          <a:ea typeface="+mn-ea"/>
+                          <a:cs typeface="+mn-cs"/>
+                        </a:rPr>
+                        <a:t>2</a:t>
+                      </a:r>
+                      <a:r>
+                        <a:rPr lang="en-US" altLang="zh-TW" sz="1800" b="1" kern="1200" baseline="30000" dirty="0">
+                          <a:solidFill>
+                            <a:schemeClr val="lt1"/>
+                          </a:solidFill>
+                          <a:effectLst/>
+                          <a:latin typeface="+mn-lt"/>
+                          <a:ea typeface="+mn-ea"/>
+                          <a:cs typeface="+mn-cs"/>
+                        </a:rPr>
+                        <a:t>0</a:t>
+                      </a:r>
+                      <a:endParaRPr lang="zh-TW" altLang="en-US" dirty="0"/>
+                    </a:p>
+                  </a:txBody>
+                  <a:tcPr/>
+                </a:tc>
+                <a:tc>
+                  <a:txBody>
+                    <a:bodyPr/>
+                    <a:lstStyle/>
+                    <a:p>
+                      <a:pPr algn="ctr"/>
+                      <a:endParaRPr lang="zh-TW" altLang="en-US" dirty="0"/>
+                    </a:p>
+                  </a:txBody>
+                  <a:tcPr/>
+                </a:tc>
+                <a:extLst>
+                  <a:ext uri="{0D108BD9-81ED-4DB2-BD59-A6C34878D82A}">
+                    <a16:rowId xmlns:a16="http://schemas.microsoft.com/office/drawing/2014/main" val="2708078537"/>
+                  </a:ext>
+                </a:extLst>
+              </a:tr>
+              <a:tr h="370840">
+                <a:tc>
+                  <a:txBody>
+                    <a:bodyPr/>
+                    <a:lstStyle/>
+                    <a:p>
+                      <a:pPr algn="ctr"/>
+                      <a:r>
+                        <a:rPr lang="en-US" altLang="zh-TW" dirty="0"/>
+                        <a:t>p</a:t>
+                      </a:r>
+                      <a:endParaRPr lang="zh-TW" altLang="en-US" dirty="0"/>
+                    </a:p>
+                  </a:txBody>
+                  <a:tcPr/>
+                </a:tc>
+                <a:tc>
+                  <a:txBody>
+                    <a:bodyPr/>
+                    <a:lstStyle/>
+                    <a:p>
+                      <a:pPr algn="ctr"/>
+                      <a:r>
+                        <a:rPr lang="en-US" altLang="zh-TW" dirty="0"/>
+                        <a:t>1</a:t>
+                      </a:r>
+                      <a:endParaRPr lang="zh-TW" altLang="en-US" dirty="0"/>
+                    </a:p>
+                  </a:txBody>
+                  <a:tcPr/>
+                </a:tc>
+                <a:tc>
+                  <a:txBody>
+                    <a:bodyPr/>
+                    <a:lstStyle/>
+                    <a:p>
+                      <a:pPr algn="ctr"/>
+                      <a:r>
+                        <a:rPr lang="en-US" altLang="zh-TW" dirty="0"/>
+                        <a:t>0</a:t>
+                      </a:r>
+                      <a:endParaRPr lang="zh-TW" altLang="en-US" dirty="0"/>
+                    </a:p>
+                  </a:txBody>
+                  <a:tcPr/>
+                </a:tc>
+                <a:tc>
+                  <a:txBody>
+                    <a:bodyPr/>
+                    <a:lstStyle/>
+                    <a:p>
+                      <a:pPr algn="ctr"/>
+                      <a:r>
+                        <a:rPr lang="en-US" altLang="zh-TW" dirty="0"/>
+                        <a:t>1</a:t>
+                      </a:r>
+                      <a:endParaRPr lang="zh-TW" altLang="en-US" dirty="0"/>
+                    </a:p>
+                  </a:txBody>
+                  <a:tcPr/>
+                </a:tc>
+                <a:tc>
+                  <a:txBody>
+                    <a:bodyPr/>
+                    <a:lstStyle/>
+                    <a:p>
+                      <a:pPr algn="ctr"/>
+                      <a:r>
+                        <a:rPr lang="en-US" altLang="zh-TW" dirty="0"/>
+                        <a:t>1</a:t>
+                      </a:r>
+                      <a:endParaRPr lang="zh-TW" altLang="en-US" dirty="0"/>
+                    </a:p>
+                  </a:txBody>
+                  <a:tcPr/>
+                </a:tc>
+                <a:tc>
+                  <a:txBody>
+                    <a:bodyPr/>
+                    <a:lstStyle/>
+                    <a:p>
+                      <a:pPr algn="ctr"/>
+                      <a:r>
+                        <a:rPr lang="en-US" altLang="zh-TW" dirty="0"/>
+                        <a:t>11</a:t>
+                      </a:r>
+                      <a:endParaRPr lang="zh-TW" altLang="en-US" dirty="0"/>
+                    </a:p>
+                  </a:txBody>
+                  <a:tcPr/>
+                </a:tc>
+                <a:extLst>
+                  <a:ext uri="{0D108BD9-81ED-4DB2-BD59-A6C34878D82A}">
+                    <a16:rowId xmlns:a16="http://schemas.microsoft.com/office/drawing/2014/main" val="518145118"/>
+                  </a:ext>
+                </a:extLst>
+              </a:tr>
+              <a:tr h="370840">
+                <a:tc>
+                  <a:txBody>
+                    <a:bodyPr/>
+                    <a:lstStyle/>
+                    <a:p>
+                      <a:pPr algn="ctr"/>
+                      <a:r>
+                        <a:rPr lang="en-US" altLang="zh-TW" dirty="0"/>
+                        <a:t>p &lt;&lt; 1</a:t>
+                      </a:r>
+                      <a:endParaRPr lang="zh-TW" altLang="en-US" dirty="0"/>
+                    </a:p>
+                  </a:txBody>
+                  <a:tcPr/>
+                </a:tc>
+                <a:tc>
+                  <a:txBody>
+                    <a:bodyPr/>
+                    <a:lstStyle/>
+                    <a:p>
+                      <a:pPr algn="ctr"/>
+                      <a:r>
+                        <a:rPr lang="en-US" altLang="zh-TW" dirty="0"/>
+                        <a:t>0</a:t>
+                      </a:r>
+                      <a:endParaRPr lang="zh-TW" altLang="en-US" dirty="0"/>
+                    </a:p>
+                  </a:txBody>
+                  <a:tcPr/>
+                </a:tc>
+                <a:tc>
+                  <a:txBody>
+                    <a:bodyPr/>
+                    <a:lstStyle/>
+                    <a:p>
+                      <a:pPr algn="ctr"/>
+                      <a:r>
+                        <a:rPr lang="en-US" altLang="zh-TW" dirty="0"/>
+                        <a:t>1</a:t>
+                      </a:r>
+                      <a:endParaRPr lang="zh-TW" altLang="en-US" dirty="0"/>
+                    </a:p>
+                  </a:txBody>
+                  <a:tcPr/>
+                </a:tc>
+                <a:tc>
+                  <a:txBody>
+                    <a:bodyPr/>
+                    <a:lstStyle/>
+                    <a:p>
+                      <a:pPr algn="ctr"/>
+                      <a:r>
+                        <a:rPr lang="en-US" altLang="zh-TW" dirty="0"/>
+                        <a:t>1</a:t>
+                      </a:r>
+                      <a:endParaRPr lang="zh-TW" altLang="en-US" dirty="0"/>
+                    </a:p>
+                  </a:txBody>
+                  <a:tcPr/>
+                </a:tc>
+                <a:tc>
+                  <a:txBody>
+                    <a:bodyPr/>
+                    <a:lstStyle/>
+                    <a:p>
+                      <a:pPr algn="ctr"/>
+                      <a:r>
+                        <a:rPr lang="en-US" altLang="zh-TW" dirty="0"/>
+                        <a:t>0</a:t>
+                      </a:r>
+                      <a:endParaRPr lang="zh-TW" altLang="en-US" dirty="0"/>
+                    </a:p>
+                  </a:txBody>
+                  <a:tcPr/>
+                </a:tc>
+                <a:tc>
+                  <a:txBody>
+                    <a:bodyPr/>
+                    <a:lstStyle/>
+                    <a:p>
+                      <a:pPr algn="ctr"/>
+                      <a:r>
+                        <a:rPr lang="en-US" altLang="zh-TW" dirty="0"/>
+                        <a:t>6</a:t>
+                      </a:r>
+                      <a:endParaRPr lang="zh-TW" altLang="en-US" dirty="0"/>
+                    </a:p>
+                  </a:txBody>
+                  <a:tcPr/>
+                </a:tc>
+                <a:extLst>
+                  <a:ext uri="{0D108BD9-81ED-4DB2-BD59-A6C34878D82A}">
+                    <a16:rowId xmlns:a16="http://schemas.microsoft.com/office/drawing/2014/main" val="4146076427"/>
+                  </a:ext>
+                </a:extLst>
+              </a:tr>
+              <a:tr h="370840">
+                <a:tc>
+                  <a:txBody>
+                    <a:bodyPr/>
+                    <a:lstStyle/>
+                    <a:p>
+                      <a:pPr marL="0" marR="0" lvl="0" indent="0" algn="ctr" defTabSz="914400" rtl="0" eaLnBrk="1" fontAlgn="auto" latinLnBrk="0" hangingPunct="1">
+                        <a:lnSpc>
+                          <a:spcPct val="100000"/>
+                        </a:lnSpc>
+                        <a:spcBef>
+                          <a:spcPts val="0"/>
+                        </a:spcBef>
+                        <a:spcAft>
+                          <a:spcPts val="0"/>
+                        </a:spcAft>
+                        <a:buClrTx/>
+                        <a:buSzTx/>
+                        <a:buFontTx/>
+                        <a:buNone/>
+                        <a:tabLst/>
+                        <a:defRPr/>
+                      </a:pPr>
+                      <a:r>
+                        <a:rPr lang="en-US" altLang="zh-TW" dirty="0"/>
+                        <a:t>p &lt;&lt; 2</a:t>
+                      </a:r>
+                      <a:endParaRPr lang="zh-TW" altLang="en-US" dirty="0"/>
+                    </a:p>
+                  </a:txBody>
+                  <a:tcPr/>
+                </a:tc>
+                <a:tc>
+                  <a:txBody>
+                    <a:bodyPr/>
+                    <a:lstStyle/>
+                    <a:p>
+                      <a:pPr algn="ctr"/>
+                      <a:r>
+                        <a:rPr lang="en-US" altLang="zh-TW" dirty="0"/>
+                        <a:t>1</a:t>
+                      </a:r>
+                      <a:endParaRPr lang="zh-TW" altLang="en-US" dirty="0"/>
+                    </a:p>
+                  </a:txBody>
+                  <a:tcPr/>
+                </a:tc>
+                <a:tc>
+                  <a:txBody>
+                    <a:bodyPr/>
+                    <a:lstStyle/>
+                    <a:p>
+                      <a:pPr algn="ctr"/>
+                      <a:r>
+                        <a:rPr lang="en-US" altLang="zh-TW" dirty="0"/>
+                        <a:t>1</a:t>
+                      </a:r>
+                      <a:endParaRPr lang="zh-TW" altLang="en-US" dirty="0"/>
+                    </a:p>
+                  </a:txBody>
+                  <a:tcPr/>
+                </a:tc>
+                <a:tc>
+                  <a:txBody>
+                    <a:bodyPr/>
+                    <a:lstStyle/>
+                    <a:p>
+                      <a:pPr algn="ctr"/>
+                      <a:r>
+                        <a:rPr lang="en-US" altLang="zh-TW" dirty="0"/>
+                        <a:t>0</a:t>
+                      </a:r>
+                      <a:endParaRPr lang="zh-TW" altLang="en-US" dirty="0"/>
+                    </a:p>
+                  </a:txBody>
+                  <a:tcPr/>
+                </a:tc>
+                <a:tc>
+                  <a:txBody>
+                    <a:bodyPr/>
+                    <a:lstStyle/>
+                    <a:p>
+                      <a:pPr algn="ctr"/>
+                      <a:r>
+                        <a:rPr lang="en-US" altLang="zh-TW" dirty="0"/>
+                        <a:t>0</a:t>
+                      </a:r>
+                      <a:endParaRPr lang="zh-TW" altLang="en-US" dirty="0"/>
+                    </a:p>
+                  </a:txBody>
+                  <a:tcPr/>
+                </a:tc>
+                <a:tc>
+                  <a:txBody>
+                    <a:bodyPr/>
+                    <a:lstStyle/>
+                    <a:p>
+                      <a:pPr algn="ctr"/>
+                      <a:r>
+                        <a:rPr lang="en-US" altLang="zh-TW" dirty="0"/>
+                        <a:t>12</a:t>
+                      </a:r>
+                      <a:endParaRPr lang="zh-TW" altLang="en-US" dirty="0"/>
+                    </a:p>
+                  </a:txBody>
+                  <a:tcPr/>
+                </a:tc>
+                <a:extLst>
+                  <a:ext uri="{0D108BD9-81ED-4DB2-BD59-A6C34878D82A}">
+                    <a16:rowId xmlns:a16="http://schemas.microsoft.com/office/drawing/2014/main" val="2286263443"/>
+                  </a:ext>
+                </a:extLst>
+              </a:tr>
+              <a:tr h="370840">
+                <a:tc>
+                  <a:txBody>
+                    <a:bodyPr/>
+                    <a:lstStyle/>
+                    <a:p>
+                      <a:pPr marL="0" marR="0" lvl="0" indent="0" algn="ctr" defTabSz="914400" rtl="0" eaLnBrk="1" fontAlgn="auto" latinLnBrk="0" hangingPunct="1">
+                        <a:lnSpc>
+                          <a:spcPct val="100000"/>
+                        </a:lnSpc>
+                        <a:spcBef>
+                          <a:spcPts val="0"/>
+                        </a:spcBef>
+                        <a:spcAft>
+                          <a:spcPts val="0"/>
+                        </a:spcAft>
+                        <a:buClrTx/>
+                        <a:buSzTx/>
+                        <a:buFontTx/>
+                        <a:buNone/>
+                        <a:tabLst/>
+                        <a:defRPr/>
+                      </a:pPr>
+                      <a:r>
+                        <a:rPr lang="en-US" altLang="zh-TW" dirty="0"/>
+                        <a:t>p &lt;&lt; 3</a:t>
+                      </a:r>
+                      <a:endParaRPr lang="zh-TW" altLang="en-US" dirty="0"/>
+                    </a:p>
+                  </a:txBody>
+                  <a:tcPr/>
+                </a:tc>
+                <a:tc>
+                  <a:txBody>
+                    <a:bodyPr/>
+                    <a:lstStyle/>
+                    <a:p>
+                      <a:pPr algn="ctr"/>
+                      <a:r>
+                        <a:rPr lang="en-US" altLang="zh-TW" dirty="0"/>
+                        <a:t>1</a:t>
+                      </a:r>
+                      <a:endParaRPr lang="zh-TW" altLang="en-US" dirty="0"/>
+                    </a:p>
+                  </a:txBody>
+                  <a:tcPr/>
+                </a:tc>
+                <a:tc>
+                  <a:txBody>
+                    <a:bodyPr/>
+                    <a:lstStyle/>
+                    <a:p>
+                      <a:pPr algn="ctr"/>
+                      <a:r>
+                        <a:rPr lang="en-US" altLang="zh-TW" dirty="0"/>
+                        <a:t>0</a:t>
+                      </a:r>
+                      <a:endParaRPr lang="zh-TW" altLang="en-US" dirty="0"/>
+                    </a:p>
+                  </a:txBody>
+                  <a:tcPr/>
+                </a:tc>
+                <a:tc>
+                  <a:txBody>
+                    <a:bodyPr/>
+                    <a:lstStyle/>
+                    <a:p>
+                      <a:pPr algn="ctr"/>
+                      <a:r>
+                        <a:rPr lang="en-US" altLang="zh-TW" dirty="0"/>
+                        <a:t>0</a:t>
+                      </a:r>
+                      <a:endParaRPr lang="zh-TW" altLang="en-US" dirty="0"/>
+                    </a:p>
+                  </a:txBody>
+                  <a:tcPr/>
+                </a:tc>
+                <a:tc>
+                  <a:txBody>
+                    <a:bodyPr/>
+                    <a:lstStyle/>
+                    <a:p>
+                      <a:pPr algn="ctr"/>
+                      <a:r>
+                        <a:rPr lang="en-US" altLang="zh-TW" dirty="0"/>
+                        <a:t>0</a:t>
+                      </a:r>
+                      <a:endParaRPr lang="zh-TW" altLang="en-US" dirty="0"/>
+                    </a:p>
+                  </a:txBody>
+                  <a:tcPr/>
+                </a:tc>
+                <a:tc>
+                  <a:txBody>
+                    <a:bodyPr/>
+                    <a:lstStyle/>
+                    <a:p>
+                      <a:pPr algn="ctr"/>
+                      <a:r>
+                        <a:rPr lang="en-US" altLang="zh-TW" dirty="0"/>
+                        <a:t>8</a:t>
+                      </a:r>
+                      <a:endParaRPr lang="zh-TW" altLang="en-US" dirty="0"/>
+                    </a:p>
+                  </a:txBody>
+                  <a:tcPr/>
+                </a:tc>
+                <a:extLst>
+                  <a:ext uri="{0D108BD9-81ED-4DB2-BD59-A6C34878D82A}">
+                    <a16:rowId xmlns:a16="http://schemas.microsoft.com/office/drawing/2014/main" val="4018097662"/>
+                  </a:ext>
+                </a:extLst>
+              </a:tr>
+              <a:tr h="370840">
+                <a:tc>
+                  <a:txBody>
+                    <a:bodyPr/>
+                    <a:lstStyle/>
+                    <a:p>
+                      <a:pPr algn="ctr"/>
+                      <a:r>
+                        <a:rPr lang="en-US" altLang="zh-TW" dirty="0"/>
+                        <a:t>p &gt;&gt; 1</a:t>
+                      </a:r>
+                      <a:endParaRPr lang="zh-TW" altLang="en-US" dirty="0"/>
+                    </a:p>
+                  </a:txBody>
+                  <a:tcPr/>
+                </a:tc>
+                <a:tc>
+                  <a:txBody>
+                    <a:bodyPr/>
+                    <a:lstStyle/>
+                    <a:p>
+                      <a:pPr algn="ctr"/>
+                      <a:r>
+                        <a:rPr lang="en-US" altLang="zh-TW" dirty="0"/>
+                        <a:t>0</a:t>
+                      </a:r>
+                      <a:endParaRPr lang="zh-TW" altLang="en-US" dirty="0"/>
+                    </a:p>
+                  </a:txBody>
+                  <a:tcPr/>
+                </a:tc>
+                <a:tc>
+                  <a:txBody>
+                    <a:bodyPr/>
+                    <a:lstStyle/>
+                    <a:p>
+                      <a:pPr algn="ctr"/>
+                      <a:r>
+                        <a:rPr lang="en-US" altLang="zh-TW" dirty="0"/>
+                        <a:t>1</a:t>
+                      </a:r>
+                      <a:endParaRPr lang="zh-TW" altLang="en-US" dirty="0"/>
+                    </a:p>
+                  </a:txBody>
+                  <a:tcPr/>
+                </a:tc>
+                <a:tc>
+                  <a:txBody>
+                    <a:bodyPr/>
+                    <a:lstStyle/>
+                    <a:p>
+                      <a:pPr algn="ctr"/>
+                      <a:r>
+                        <a:rPr lang="en-US" altLang="zh-TW" dirty="0"/>
+                        <a:t>0</a:t>
+                      </a:r>
+                      <a:endParaRPr lang="zh-TW" altLang="en-US" dirty="0"/>
+                    </a:p>
+                  </a:txBody>
+                  <a:tcPr/>
+                </a:tc>
+                <a:tc>
+                  <a:txBody>
+                    <a:bodyPr/>
+                    <a:lstStyle/>
+                    <a:p>
+                      <a:pPr algn="ctr"/>
+                      <a:r>
+                        <a:rPr lang="en-US" altLang="zh-TW" dirty="0"/>
+                        <a:t>1</a:t>
+                      </a:r>
+                      <a:endParaRPr lang="zh-TW" altLang="en-US" dirty="0"/>
+                    </a:p>
+                  </a:txBody>
+                  <a:tcPr/>
+                </a:tc>
+                <a:tc>
+                  <a:txBody>
+                    <a:bodyPr/>
+                    <a:lstStyle/>
+                    <a:p>
+                      <a:pPr algn="ctr"/>
+                      <a:r>
+                        <a:rPr lang="en-US" altLang="zh-TW" dirty="0"/>
+                        <a:t>5</a:t>
+                      </a:r>
+                      <a:endParaRPr lang="zh-TW" altLang="en-US" dirty="0"/>
+                    </a:p>
+                  </a:txBody>
+                  <a:tcPr/>
+                </a:tc>
+                <a:extLst>
+                  <a:ext uri="{0D108BD9-81ED-4DB2-BD59-A6C34878D82A}">
+                    <a16:rowId xmlns:a16="http://schemas.microsoft.com/office/drawing/2014/main" val="2016999184"/>
+                  </a:ext>
+                </a:extLst>
+              </a:tr>
+              <a:tr h="370840">
+                <a:tc>
+                  <a:txBody>
+                    <a:bodyPr/>
+                    <a:lstStyle/>
+                    <a:p>
+                      <a:pPr marL="0" marR="0" lvl="0" indent="0" algn="ctr" defTabSz="914400" rtl="0" eaLnBrk="1" fontAlgn="auto" latinLnBrk="0" hangingPunct="1">
+                        <a:lnSpc>
+                          <a:spcPct val="100000"/>
+                        </a:lnSpc>
+                        <a:spcBef>
+                          <a:spcPts val="0"/>
+                        </a:spcBef>
+                        <a:spcAft>
+                          <a:spcPts val="0"/>
+                        </a:spcAft>
+                        <a:buClrTx/>
+                        <a:buSzTx/>
+                        <a:buFontTx/>
+                        <a:buNone/>
+                        <a:tabLst/>
+                        <a:defRPr/>
+                      </a:pPr>
+                      <a:r>
+                        <a:rPr lang="en-US" altLang="zh-TW" dirty="0"/>
+                        <a:t>p &gt;&gt; 2</a:t>
+                      </a:r>
+                      <a:endParaRPr lang="zh-TW" altLang="en-US" dirty="0"/>
+                    </a:p>
+                  </a:txBody>
+                  <a:tcPr/>
+                </a:tc>
+                <a:tc>
+                  <a:txBody>
+                    <a:bodyPr/>
+                    <a:lstStyle/>
+                    <a:p>
+                      <a:pPr algn="ctr"/>
+                      <a:r>
+                        <a:rPr lang="en-US" altLang="zh-TW" dirty="0"/>
+                        <a:t>0</a:t>
+                      </a:r>
+                      <a:endParaRPr lang="zh-TW" altLang="en-US" dirty="0"/>
+                    </a:p>
+                  </a:txBody>
+                  <a:tcPr/>
+                </a:tc>
+                <a:tc>
+                  <a:txBody>
+                    <a:bodyPr/>
+                    <a:lstStyle/>
+                    <a:p>
+                      <a:pPr algn="ctr"/>
+                      <a:r>
+                        <a:rPr lang="en-US" altLang="zh-TW" dirty="0"/>
+                        <a:t>0</a:t>
+                      </a:r>
+                      <a:endParaRPr lang="zh-TW" altLang="en-US" dirty="0"/>
+                    </a:p>
+                  </a:txBody>
+                  <a:tcPr/>
+                </a:tc>
+                <a:tc>
+                  <a:txBody>
+                    <a:bodyPr/>
+                    <a:lstStyle/>
+                    <a:p>
+                      <a:pPr algn="ctr"/>
+                      <a:r>
+                        <a:rPr lang="en-US" altLang="zh-TW" dirty="0"/>
+                        <a:t>1</a:t>
+                      </a:r>
+                      <a:endParaRPr lang="zh-TW" altLang="en-US" dirty="0"/>
+                    </a:p>
+                  </a:txBody>
+                  <a:tcPr/>
+                </a:tc>
+                <a:tc>
+                  <a:txBody>
+                    <a:bodyPr/>
+                    <a:lstStyle/>
+                    <a:p>
+                      <a:pPr algn="ctr"/>
+                      <a:r>
+                        <a:rPr lang="en-US" altLang="zh-TW" dirty="0"/>
+                        <a:t>0</a:t>
+                      </a:r>
+                      <a:endParaRPr lang="zh-TW" altLang="en-US" dirty="0"/>
+                    </a:p>
+                  </a:txBody>
+                  <a:tcPr/>
+                </a:tc>
+                <a:tc>
+                  <a:txBody>
+                    <a:bodyPr/>
+                    <a:lstStyle/>
+                    <a:p>
+                      <a:pPr algn="ctr"/>
+                      <a:r>
+                        <a:rPr lang="en-US" altLang="zh-TW" dirty="0"/>
+                        <a:t>2</a:t>
+                      </a:r>
+                      <a:endParaRPr lang="zh-TW" altLang="en-US" dirty="0"/>
+                    </a:p>
+                  </a:txBody>
+                  <a:tcPr/>
+                </a:tc>
+                <a:extLst>
+                  <a:ext uri="{0D108BD9-81ED-4DB2-BD59-A6C34878D82A}">
+                    <a16:rowId xmlns:a16="http://schemas.microsoft.com/office/drawing/2014/main" val="3614207818"/>
+                  </a:ext>
+                </a:extLst>
+              </a:tr>
+              <a:tr h="370840">
+                <a:tc>
+                  <a:txBody>
+                    <a:bodyPr/>
+                    <a:lstStyle/>
+                    <a:p>
+                      <a:pPr marL="0" marR="0" lvl="0" indent="0" algn="ctr" defTabSz="914400" rtl="0" eaLnBrk="1" fontAlgn="auto" latinLnBrk="0" hangingPunct="1">
+                        <a:lnSpc>
+                          <a:spcPct val="100000"/>
+                        </a:lnSpc>
+                        <a:spcBef>
+                          <a:spcPts val="0"/>
+                        </a:spcBef>
+                        <a:spcAft>
+                          <a:spcPts val="0"/>
+                        </a:spcAft>
+                        <a:buClrTx/>
+                        <a:buSzTx/>
+                        <a:buFontTx/>
+                        <a:buNone/>
+                        <a:tabLst/>
+                        <a:defRPr/>
+                      </a:pPr>
+                      <a:r>
+                        <a:rPr lang="en-US" altLang="zh-TW" dirty="0"/>
+                        <a:t>p &gt;&gt; 3</a:t>
+                      </a:r>
+                      <a:endParaRPr lang="zh-TW" altLang="en-US" dirty="0"/>
+                    </a:p>
+                  </a:txBody>
+                  <a:tcPr/>
+                </a:tc>
+                <a:tc>
+                  <a:txBody>
+                    <a:bodyPr/>
+                    <a:lstStyle/>
+                    <a:p>
+                      <a:pPr algn="ctr"/>
+                      <a:r>
+                        <a:rPr lang="en-US" altLang="zh-TW" dirty="0"/>
+                        <a:t>0</a:t>
+                      </a:r>
+                      <a:endParaRPr lang="zh-TW" altLang="en-US" dirty="0"/>
+                    </a:p>
+                  </a:txBody>
+                  <a:tcPr/>
+                </a:tc>
+                <a:tc>
+                  <a:txBody>
+                    <a:bodyPr/>
+                    <a:lstStyle/>
+                    <a:p>
+                      <a:pPr algn="ctr"/>
+                      <a:r>
+                        <a:rPr lang="en-US" altLang="zh-TW" dirty="0"/>
+                        <a:t>0</a:t>
+                      </a:r>
+                      <a:endParaRPr lang="zh-TW" altLang="en-US" dirty="0"/>
+                    </a:p>
+                  </a:txBody>
+                  <a:tcPr/>
+                </a:tc>
+                <a:tc>
+                  <a:txBody>
+                    <a:bodyPr/>
+                    <a:lstStyle/>
+                    <a:p>
+                      <a:pPr algn="ctr"/>
+                      <a:r>
+                        <a:rPr lang="en-US" altLang="zh-TW" dirty="0"/>
+                        <a:t>0</a:t>
+                      </a:r>
+                      <a:endParaRPr lang="zh-TW" altLang="en-US" dirty="0"/>
+                    </a:p>
+                  </a:txBody>
+                  <a:tcPr/>
+                </a:tc>
+                <a:tc>
+                  <a:txBody>
+                    <a:bodyPr/>
+                    <a:lstStyle/>
+                    <a:p>
+                      <a:pPr algn="ctr"/>
+                      <a:r>
+                        <a:rPr lang="en-US" altLang="zh-TW" dirty="0"/>
+                        <a:t>1</a:t>
+                      </a:r>
+                      <a:endParaRPr lang="zh-TW" altLang="en-US" dirty="0"/>
+                    </a:p>
+                  </a:txBody>
+                  <a:tcPr/>
+                </a:tc>
+                <a:tc>
+                  <a:txBody>
+                    <a:bodyPr/>
+                    <a:lstStyle/>
+                    <a:p>
+                      <a:pPr algn="ctr"/>
+                      <a:r>
+                        <a:rPr lang="en-US" altLang="zh-TW" dirty="0"/>
+                        <a:t>1</a:t>
+                      </a:r>
+                      <a:endParaRPr lang="zh-TW" altLang="en-US" dirty="0"/>
+                    </a:p>
+                  </a:txBody>
+                  <a:tcPr/>
+                </a:tc>
+                <a:extLst>
+                  <a:ext uri="{0D108BD9-81ED-4DB2-BD59-A6C34878D82A}">
+                    <a16:rowId xmlns:a16="http://schemas.microsoft.com/office/drawing/2014/main" val="629912916"/>
+                  </a:ext>
+                </a:extLst>
+              </a:tr>
+            </a:tbl>
+          </a:graphicData>
+        </a:graphic>
+      </p:graphicFrame>
+      <p:graphicFrame>
+        <p:nvGraphicFramePr>
+          <p:cNvPr id="5" name="表格 4">
+            <a:extLst>
+              <a:ext uri="{FF2B5EF4-FFF2-40B4-BE49-F238E27FC236}">
+                <a16:creationId xmlns:a16="http://schemas.microsoft.com/office/drawing/2014/main" id="{527A8DB0-3B99-4C78-8C56-647B0D3A5723}"/>
+              </a:ext>
+            </a:extLst>
+          </p:cNvPr>
+          <p:cNvGraphicFramePr>
+            <a:graphicFrameLocks noGrp="1"/>
+          </p:cNvGraphicFramePr>
+          <p:nvPr>
+            <p:extLst>
+              <p:ext uri="{D42A27DB-BD31-4B8C-83A1-F6EECF244321}">
+                <p14:modId xmlns:p14="http://schemas.microsoft.com/office/powerpoint/2010/main" val="1070235546"/>
+              </p:ext>
+            </p:extLst>
+          </p:nvPr>
+        </p:nvGraphicFramePr>
+        <p:xfrm>
+          <a:off x="6381462" y="2668936"/>
+          <a:ext cx="5544000" cy="2966720"/>
+        </p:xfrm>
+        <a:graphic>
+          <a:graphicData uri="http://schemas.openxmlformats.org/drawingml/2006/table">
+            <a:tbl>
+              <a:tblPr firstRow="1" bandRow="1">
+                <a:tableStyleId>{5C22544A-7EE6-4342-B048-85BDC9FD1C3A}</a:tableStyleId>
+              </a:tblPr>
+              <a:tblGrid>
+                <a:gridCol w="924000">
+                  <a:extLst>
+                    <a:ext uri="{9D8B030D-6E8A-4147-A177-3AD203B41FA5}">
+                      <a16:colId xmlns:a16="http://schemas.microsoft.com/office/drawing/2014/main" val="2980787387"/>
+                    </a:ext>
+                  </a:extLst>
+                </a:gridCol>
+                <a:gridCol w="924000">
+                  <a:extLst>
+                    <a:ext uri="{9D8B030D-6E8A-4147-A177-3AD203B41FA5}">
+                      <a16:colId xmlns:a16="http://schemas.microsoft.com/office/drawing/2014/main" val="1992985801"/>
+                    </a:ext>
+                  </a:extLst>
+                </a:gridCol>
+                <a:gridCol w="924000">
+                  <a:extLst>
+                    <a:ext uri="{9D8B030D-6E8A-4147-A177-3AD203B41FA5}">
+                      <a16:colId xmlns:a16="http://schemas.microsoft.com/office/drawing/2014/main" val="2782475494"/>
+                    </a:ext>
+                  </a:extLst>
+                </a:gridCol>
+                <a:gridCol w="924000">
+                  <a:extLst>
+                    <a:ext uri="{9D8B030D-6E8A-4147-A177-3AD203B41FA5}">
+                      <a16:colId xmlns:a16="http://schemas.microsoft.com/office/drawing/2014/main" val="1166720475"/>
+                    </a:ext>
+                  </a:extLst>
+                </a:gridCol>
+                <a:gridCol w="924000">
+                  <a:extLst>
+                    <a:ext uri="{9D8B030D-6E8A-4147-A177-3AD203B41FA5}">
+                      <a16:colId xmlns:a16="http://schemas.microsoft.com/office/drawing/2014/main" val="1222509013"/>
+                    </a:ext>
+                  </a:extLst>
+                </a:gridCol>
+                <a:gridCol w="924000">
+                  <a:extLst>
+                    <a:ext uri="{9D8B030D-6E8A-4147-A177-3AD203B41FA5}">
+                      <a16:colId xmlns:a16="http://schemas.microsoft.com/office/drawing/2014/main" val="3663689711"/>
+                    </a:ext>
+                  </a:extLst>
+                </a:gridCol>
+              </a:tblGrid>
+              <a:tr h="370840">
+                <a:tc>
+                  <a:txBody>
+                    <a:bodyPr/>
+                    <a:lstStyle/>
+                    <a:p>
+                      <a:pPr algn="ctr"/>
+                      <a:endParaRPr lang="zh-TW" altLang="en-US" dirty="0"/>
+                    </a:p>
+                  </a:txBody>
+                  <a:tcPr/>
+                </a:tc>
+                <a:tc>
+                  <a:txBody>
+                    <a:bodyPr/>
+                    <a:lstStyle/>
+                    <a:p>
+                      <a:pPr marL="0" marR="0" lvl="0" indent="0" algn="ctr" defTabSz="914400" rtl="0" eaLnBrk="1" fontAlgn="auto" latinLnBrk="0" hangingPunct="1">
+                        <a:lnSpc>
+                          <a:spcPct val="100000"/>
+                        </a:lnSpc>
+                        <a:spcBef>
+                          <a:spcPts val="0"/>
+                        </a:spcBef>
+                        <a:spcAft>
+                          <a:spcPts val="0"/>
+                        </a:spcAft>
+                        <a:buClrTx/>
+                        <a:buSzTx/>
+                        <a:buFontTx/>
+                        <a:buNone/>
+                        <a:tabLst/>
+                        <a:defRPr/>
+                      </a:pPr>
+                      <a:r>
+                        <a:rPr lang="en-US" altLang="zh-TW" sz="1800" b="1" kern="1200" dirty="0">
+                          <a:solidFill>
+                            <a:schemeClr val="lt1"/>
+                          </a:solidFill>
+                          <a:effectLst/>
+                          <a:latin typeface="+mn-lt"/>
+                          <a:ea typeface="+mn-ea"/>
+                          <a:cs typeface="+mn-cs"/>
+                        </a:rPr>
+                        <a:t>± / (-2</a:t>
+                      </a:r>
+                      <a:r>
+                        <a:rPr lang="en-US" altLang="zh-TW" sz="1800" b="1" kern="1200" baseline="30000" dirty="0">
+                          <a:solidFill>
+                            <a:schemeClr val="lt1"/>
+                          </a:solidFill>
+                          <a:effectLst/>
+                          <a:latin typeface="+mn-lt"/>
+                          <a:ea typeface="+mn-ea"/>
+                          <a:cs typeface="+mn-cs"/>
+                        </a:rPr>
+                        <a:t>3</a:t>
+                      </a:r>
+                      <a:r>
+                        <a:rPr lang="en-US" altLang="zh-TW" sz="1800" b="1" kern="1200" dirty="0">
+                          <a:solidFill>
+                            <a:schemeClr val="lt1"/>
+                          </a:solidFill>
+                          <a:effectLst/>
+                          <a:latin typeface="+mn-lt"/>
+                          <a:ea typeface="+mn-ea"/>
+                          <a:cs typeface="+mn-cs"/>
+                        </a:rPr>
+                        <a:t>)</a:t>
+                      </a:r>
+                      <a:endParaRPr lang="zh-TW" altLang="en-US" dirty="0"/>
+                    </a:p>
+                  </a:txBody>
+                  <a:tcPr/>
+                </a:tc>
+                <a:tc>
+                  <a:txBody>
+                    <a:bodyPr/>
+                    <a:lstStyle/>
+                    <a:p>
+                      <a:pPr algn="ctr"/>
+                      <a:r>
+                        <a:rPr lang="en-US" altLang="zh-TW" sz="1800" b="1" kern="1200" dirty="0">
+                          <a:solidFill>
+                            <a:schemeClr val="lt1"/>
+                          </a:solidFill>
+                          <a:effectLst/>
+                          <a:latin typeface="+mn-lt"/>
+                          <a:ea typeface="+mn-ea"/>
+                          <a:cs typeface="+mn-cs"/>
+                        </a:rPr>
+                        <a:t>2</a:t>
+                      </a:r>
+                      <a:r>
+                        <a:rPr lang="en-US" altLang="zh-TW" sz="1800" b="1" kern="1200" baseline="30000" dirty="0">
+                          <a:solidFill>
+                            <a:schemeClr val="lt1"/>
+                          </a:solidFill>
+                          <a:effectLst/>
+                          <a:latin typeface="+mn-lt"/>
+                          <a:ea typeface="+mn-ea"/>
+                          <a:cs typeface="+mn-cs"/>
+                        </a:rPr>
+                        <a:t>2</a:t>
+                      </a:r>
+                      <a:endParaRPr lang="zh-TW" altLang="en-US" dirty="0"/>
+                    </a:p>
+                  </a:txBody>
+                  <a:tcPr/>
+                </a:tc>
+                <a:tc>
+                  <a:txBody>
+                    <a:bodyPr/>
+                    <a:lstStyle/>
+                    <a:p>
+                      <a:pPr algn="ctr"/>
+                      <a:r>
+                        <a:rPr lang="en-US" altLang="zh-TW" sz="1800" b="1" kern="1200" dirty="0">
+                          <a:solidFill>
+                            <a:schemeClr val="lt1"/>
+                          </a:solidFill>
+                          <a:effectLst/>
+                          <a:latin typeface="+mn-lt"/>
+                          <a:ea typeface="+mn-ea"/>
+                          <a:cs typeface="+mn-cs"/>
+                        </a:rPr>
+                        <a:t>2</a:t>
+                      </a:r>
+                      <a:r>
+                        <a:rPr lang="en-US" altLang="zh-TW" sz="1800" b="1" kern="1200" baseline="30000" dirty="0">
+                          <a:solidFill>
+                            <a:schemeClr val="lt1"/>
+                          </a:solidFill>
+                          <a:effectLst/>
+                          <a:latin typeface="+mn-lt"/>
+                          <a:ea typeface="+mn-ea"/>
+                          <a:cs typeface="+mn-cs"/>
+                        </a:rPr>
+                        <a:t>1</a:t>
+                      </a:r>
+                      <a:endParaRPr lang="zh-TW" altLang="en-US" dirty="0"/>
+                    </a:p>
+                  </a:txBody>
+                  <a:tcPr/>
+                </a:tc>
+                <a:tc>
+                  <a:txBody>
+                    <a:bodyPr/>
+                    <a:lstStyle/>
+                    <a:p>
+                      <a:pPr algn="ctr"/>
+                      <a:r>
+                        <a:rPr lang="en-US" altLang="zh-TW" sz="1800" b="1" kern="1200" dirty="0">
+                          <a:solidFill>
+                            <a:schemeClr val="lt1"/>
+                          </a:solidFill>
+                          <a:effectLst/>
+                          <a:latin typeface="+mn-lt"/>
+                          <a:ea typeface="+mn-ea"/>
+                          <a:cs typeface="+mn-cs"/>
+                        </a:rPr>
+                        <a:t>2</a:t>
+                      </a:r>
+                      <a:r>
+                        <a:rPr lang="en-US" altLang="zh-TW" sz="1800" b="1" kern="1200" baseline="30000" dirty="0">
+                          <a:solidFill>
+                            <a:schemeClr val="lt1"/>
+                          </a:solidFill>
+                          <a:effectLst/>
+                          <a:latin typeface="+mn-lt"/>
+                          <a:ea typeface="+mn-ea"/>
+                          <a:cs typeface="+mn-cs"/>
+                        </a:rPr>
+                        <a:t>0</a:t>
+                      </a:r>
+                      <a:endParaRPr lang="zh-TW" altLang="en-US" dirty="0"/>
+                    </a:p>
+                  </a:txBody>
+                  <a:tcPr/>
+                </a:tc>
+                <a:tc>
+                  <a:txBody>
+                    <a:bodyPr/>
+                    <a:lstStyle/>
+                    <a:p>
+                      <a:pPr algn="ctr"/>
+                      <a:endParaRPr lang="zh-TW" altLang="en-US" dirty="0"/>
+                    </a:p>
+                  </a:txBody>
+                  <a:tcPr/>
+                </a:tc>
+                <a:extLst>
+                  <a:ext uri="{0D108BD9-81ED-4DB2-BD59-A6C34878D82A}">
+                    <a16:rowId xmlns:a16="http://schemas.microsoft.com/office/drawing/2014/main" val="2708078537"/>
+                  </a:ext>
+                </a:extLst>
+              </a:tr>
+              <a:tr h="370840">
+                <a:tc>
+                  <a:txBody>
+                    <a:bodyPr/>
+                    <a:lstStyle/>
+                    <a:p>
+                      <a:pPr algn="ctr"/>
+                      <a:r>
+                        <a:rPr lang="en-US" altLang="zh-TW" dirty="0"/>
+                        <a:t>p</a:t>
+                      </a:r>
+                      <a:endParaRPr lang="zh-TW" altLang="en-US" dirty="0"/>
+                    </a:p>
+                  </a:txBody>
+                  <a:tcPr/>
+                </a:tc>
+                <a:tc>
+                  <a:txBody>
+                    <a:bodyPr/>
+                    <a:lstStyle/>
+                    <a:p>
+                      <a:pPr algn="ctr"/>
+                      <a:r>
+                        <a:rPr lang="en-US" altLang="zh-TW" dirty="0"/>
+                        <a:t>1</a:t>
+                      </a:r>
+                      <a:endParaRPr lang="zh-TW" altLang="en-US" dirty="0"/>
+                    </a:p>
+                  </a:txBody>
+                  <a:tcPr/>
+                </a:tc>
+                <a:tc>
+                  <a:txBody>
+                    <a:bodyPr/>
+                    <a:lstStyle/>
+                    <a:p>
+                      <a:pPr algn="ctr"/>
+                      <a:r>
+                        <a:rPr lang="en-US" altLang="zh-TW" dirty="0"/>
+                        <a:t>0</a:t>
+                      </a:r>
+                      <a:endParaRPr lang="zh-TW" altLang="en-US" dirty="0"/>
+                    </a:p>
+                  </a:txBody>
+                  <a:tcPr/>
+                </a:tc>
+                <a:tc>
+                  <a:txBody>
+                    <a:bodyPr/>
+                    <a:lstStyle/>
+                    <a:p>
+                      <a:pPr algn="ctr"/>
+                      <a:r>
+                        <a:rPr lang="en-US" altLang="zh-TW" dirty="0"/>
+                        <a:t>1</a:t>
+                      </a:r>
+                      <a:endParaRPr lang="zh-TW" altLang="en-US" dirty="0"/>
+                    </a:p>
+                  </a:txBody>
+                  <a:tcPr/>
+                </a:tc>
+                <a:tc>
+                  <a:txBody>
+                    <a:bodyPr/>
+                    <a:lstStyle/>
+                    <a:p>
+                      <a:pPr algn="ctr"/>
+                      <a:r>
+                        <a:rPr lang="en-US" altLang="zh-TW" dirty="0"/>
+                        <a:t>1</a:t>
+                      </a:r>
+                      <a:endParaRPr lang="zh-TW" altLang="en-US" dirty="0"/>
+                    </a:p>
+                  </a:txBody>
+                  <a:tcPr/>
+                </a:tc>
+                <a:tc>
+                  <a:txBody>
+                    <a:bodyPr/>
+                    <a:lstStyle/>
+                    <a:p>
+                      <a:pPr algn="ctr"/>
+                      <a:r>
+                        <a:rPr lang="en-US" altLang="zh-TW" dirty="0"/>
+                        <a:t>-5</a:t>
+                      </a:r>
+                      <a:endParaRPr lang="zh-TW" altLang="en-US" dirty="0"/>
+                    </a:p>
+                  </a:txBody>
+                  <a:tcPr/>
+                </a:tc>
+                <a:extLst>
+                  <a:ext uri="{0D108BD9-81ED-4DB2-BD59-A6C34878D82A}">
+                    <a16:rowId xmlns:a16="http://schemas.microsoft.com/office/drawing/2014/main" val="518145118"/>
+                  </a:ext>
+                </a:extLst>
+              </a:tr>
+              <a:tr h="370840">
+                <a:tc>
+                  <a:txBody>
+                    <a:bodyPr/>
+                    <a:lstStyle/>
+                    <a:p>
+                      <a:pPr algn="ctr"/>
+                      <a:r>
+                        <a:rPr lang="en-US" altLang="zh-TW" dirty="0"/>
+                        <a:t>p &lt;&lt; 1</a:t>
+                      </a:r>
+                      <a:endParaRPr lang="zh-TW" altLang="en-US" dirty="0"/>
+                    </a:p>
+                  </a:txBody>
+                  <a:tcPr/>
+                </a:tc>
+                <a:tc>
+                  <a:txBody>
+                    <a:bodyPr/>
+                    <a:lstStyle/>
+                    <a:p>
+                      <a:pPr algn="ctr"/>
+                      <a:r>
+                        <a:rPr lang="en-US" altLang="zh-TW" dirty="0"/>
+                        <a:t>0</a:t>
+                      </a:r>
+                      <a:endParaRPr lang="zh-TW" altLang="en-US" dirty="0"/>
+                    </a:p>
+                  </a:txBody>
+                  <a:tcPr/>
+                </a:tc>
+                <a:tc>
+                  <a:txBody>
+                    <a:bodyPr/>
+                    <a:lstStyle/>
+                    <a:p>
+                      <a:pPr algn="ctr"/>
+                      <a:r>
+                        <a:rPr lang="en-US" altLang="zh-TW" dirty="0"/>
+                        <a:t>1</a:t>
+                      </a:r>
+                      <a:endParaRPr lang="zh-TW" altLang="en-US" dirty="0"/>
+                    </a:p>
+                  </a:txBody>
+                  <a:tcPr/>
+                </a:tc>
+                <a:tc>
+                  <a:txBody>
+                    <a:bodyPr/>
+                    <a:lstStyle/>
+                    <a:p>
+                      <a:pPr algn="ctr"/>
+                      <a:r>
+                        <a:rPr lang="en-US" altLang="zh-TW" dirty="0"/>
+                        <a:t>1</a:t>
+                      </a:r>
+                      <a:endParaRPr lang="zh-TW" altLang="en-US" dirty="0"/>
+                    </a:p>
+                  </a:txBody>
+                  <a:tcPr/>
+                </a:tc>
+                <a:tc>
+                  <a:txBody>
+                    <a:bodyPr/>
+                    <a:lstStyle/>
+                    <a:p>
+                      <a:pPr algn="ctr"/>
+                      <a:r>
+                        <a:rPr lang="en-US" altLang="zh-TW" dirty="0"/>
+                        <a:t>0</a:t>
+                      </a:r>
+                      <a:endParaRPr lang="zh-TW" altLang="en-US" dirty="0"/>
+                    </a:p>
+                  </a:txBody>
+                  <a:tcPr/>
+                </a:tc>
+                <a:tc>
+                  <a:txBody>
+                    <a:bodyPr/>
+                    <a:lstStyle/>
+                    <a:p>
+                      <a:pPr algn="ctr"/>
+                      <a:r>
+                        <a:rPr lang="en-US" altLang="zh-TW" dirty="0"/>
+                        <a:t>6</a:t>
+                      </a:r>
+                      <a:endParaRPr lang="zh-TW" altLang="en-US" dirty="0"/>
+                    </a:p>
+                  </a:txBody>
+                  <a:tcPr/>
+                </a:tc>
+                <a:extLst>
+                  <a:ext uri="{0D108BD9-81ED-4DB2-BD59-A6C34878D82A}">
+                    <a16:rowId xmlns:a16="http://schemas.microsoft.com/office/drawing/2014/main" val="4146076427"/>
+                  </a:ext>
+                </a:extLst>
+              </a:tr>
+              <a:tr h="370840">
+                <a:tc>
+                  <a:txBody>
+                    <a:bodyPr/>
+                    <a:lstStyle/>
+                    <a:p>
+                      <a:pPr marL="0" marR="0" lvl="0" indent="0" algn="ctr" defTabSz="914400" rtl="0" eaLnBrk="1" fontAlgn="auto" latinLnBrk="0" hangingPunct="1">
+                        <a:lnSpc>
+                          <a:spcPct val="100000"/>
+                        </a:lnSpc>
+                        <a:spcBef>
+                          <a:spcPts val="0"/>
+                        </a:spcBef>
+                        <a:spcAft>
+                          <a:spcPts val="0"/>
+                        </a:spcAft>
+                        <a:buClrTx/>
+                        <a:buSzTx/>
+                        <a:buFontTx/>
+                        <a:buNone/>
+                        <a:tabLst/>
+                        <a:defRPr/>
+                      </a:pPr>
+                      <a:r>
+                        <a:rPr lang="en-US" altLang="zh-TW" dirty="0"/>
+                        <a:t>p &lt;&lt; 2</a:t>
+                      </a:r>
+                      <a:endParaRPr lang="zh-TW" altLang="en-US" dirty="0"/>
+                    </a:p>
+                  </a:txBody>
+                  <a:tcPr/>
+                </a:tc>
+                <a:tc>
+                  <a:txBody>
+                    <a:bodyPr/>
+                    <a:lstStyle/>
+                    <a:p>
+                      <a:pPr algn="ctr"/>
+                      <a:r>
+                        <a:rPr lang="en-US" altLang="zh-TW" dirty="0"/>
+                        <a:t>1</a:t>
+                      </a:r>
+                      <a:endParaRPr lang="zh-TW" altLang="en-US" dirty="0"/>
+                    </a:p>
+                  </a:txBody>
+                  <a:tcPr/>
+                </a:tc>
+                <a:tc>
+                  <a:txBody>
+                    <a:bodyPr/>
+                    <a:lstStyle/>
+                    <a:p>
+                      <a:pPr algn="ctr"/>
+                      <a:r>
+                        <a:rPr lang="en-US" altLang="zh-TW" dirty="0"/>
+                        <a:t>1</a:t>
+                      </a:r>
+                      <a:endParaRPr lang="zh-TW" altLang="en-US" dirty="0"/>
+                    </a:p>
+                  </a:txBody>
+                  <a:tcPr/>
+                </a:tc>
+                <a:tc>
+                  <a:txBody>
+                    <a:bodyPr/>
+                    <a:lstStyle/>
+                    <a:p>
+                      <a:pPr algn="ctr"/>
+                      <a:r>
+                        <a:rPr lang="en-US" altLang="zh-TW" dirty="0"/>
+                        <a:t>0</a:t>
+                      </a:r>
+                      <a:endParaRPr lang="zh-TW" altLang="en-US" dirty="0"/>
+                    </a:p>
+                  </a:txBody>
+                  <a:tcPr/>
+                </a:tc>
+                <a:tc>
+                  <a:txBody>
+                    <a:bodyPr/>
+                    <a:lstStyle/>
+                    <a:p>
+                      <a:pPr algn="ctr"/>
+                      <a:r>
+                        <a:rPr lang="en-US" altLang="zh-TW" dirty="0"/>
+                        <a:t>0</a:t>
+                      </a:r>
+                      <a:endParaRPr lang="zh-TW" altLang="en-US" dirty="0"/>
+                    </a:p>
+                  </a:txBody>
+                  <a:tcPr/>
+                </a:tc>
+                <a:tc>
+                  <a:txBody>
+                    <a:bodyPr/>
+                    <a:lstStyle/>
+                    <a:p>
+                      <a:pPr algn="ctr"/>
+                      <a:r>
+                        <a:rPr lang="en-US" altLang="zh-TW" dirty="0"/>
+                        <a:t>-4</a:t>
+                      </a:r>
+                      <a:endParaRPr lang="zh-TW" altLang="en-US" dirty="0"/>
+                    </a:p>
+                  </a:txBody>
+                  <a:tcPr/>
+                </a:tc>
+                <a:extLst>
+                  <a:ext uri="{0D108BD9-81ED-4DB2-BD59-A6C34878D82A}">
+                    <a16:rowId xmlns:a16="http://schemas.microsoft.com/office/drawing/2014/main" val="2286263443"/>
+                  </a:ext>
+                </a:extLst>
+              </a:tr>
+              <a:tr h="370840">
+                <a:tc>
+                  <a:txBody>
+                    <a:bodyPr/>
+                    <a:lstStyle/>
+                    <a:p>
+                      <a:pPr marL="0" marR="0" lvl="0" indent="0" algn="ctr" defTabSz="914400" rtl="0" eaLnBrk="1" fontAlgn="auto" latinLnBrk="0" hangingPunct="1">
+                        <a:lnSpc>
+                          <a:spcPct val="100000"/>
+                        </a:lnSpc>
+                        <a:spcBef>
+                          <a:spcPts val="0"/>
+                        </a:spcBef>
+                        <a:spcAft>
+                          <a:spcPts val="0"/>
+                        </a:spcAft>
+                        <a:buClrTx/>
+                        <a:buSzTx/>
+                        <a:buFontTx/>
+                        <a:buNone/>
+                        <a:tabLst/>
+                        <a:defRPr/>
+                      </a:pPr>
+                      <a:r>
+                        <a:rPr lang="en-US" altLang="zh-TW" dirty="0"/>
+                        <a:t>p &lt;&lt; 3</a:t>
+                      </a:r>
+                      <a:endParaRPr lang="zh-TW" altLang="en-US" dirty="0"/>
+                    </a:p>
+                  </a:txBody>
+                  <a:tcPr/>
+                </a:tc>
+                <a:tc>
+                  <a:txBody>
+                    <a:bodyPr/>
+                    <a:lstStyle/>
+                    <a:p>
+                      <a:pPr algn="ctr"/>
+                      <a:r>
+                        <a:rPr lang="en-US" altLang="zh-TW" dirty="0"/>
+                        <a:t>1</a:t>
+                      </a:r>
+                      <a:endParaRPr lang="zh-TW" altLang="en-US" dirty="0"/>
+                    </a:p>
+                  </a:txBody>
+                  <a:tcPr/>
+                </a:tc>
+                <a:tc>
+                  <a:txBody>
+                    <a:bodyPr/>
+                    <a:lstStyle/>
+                    <a:p>
+                      <a:pPr algn="ctr"/>
+                      <a:r>
+                        <a:rPr lang="en-US" altLang="zh-TW" dirty="0"/>
+                        <a:t>0</a:t>
+                      </a:r>
+                      <a:endParaRPr lang="zh-TW" altLang="en-US" dirty="0"/>
+                    </a:p>
+                  </a:txBody>
+                  <a:tcPr/>
+                </a:tc>
+                <a:tc>
+                  <a:txBody>
+                    <a:bodyPr/>
+                    <a:lstStyle/>
+                    <a:p>
+                      <a:pPr algn="ctr"/>
+                      <a:r>
+                        <a:rPr lang="en-US" altLang="zh-TW" dirty="0"/>
+                        <a:t>0</a:t>
+                      </a:r>
+                      <a:endParaRPr lang="zh-TW" altLang="en-US" dirty="0"/>
+                    </a:p>
+                  </a:txBody>
+                  <a:tcPr/>
+                </a:tc>
+                <a:tc>
+                  <a:txBody>
+                    <a:bodyPr/>
+                    <a:lstStyle/>
+                    <a:p>
+                      <a:pPr algn="ctr"/>
+                      <a:r>
+                        <a:rPr lang="en-US" altLang="zh-TW" dirty="0"/>
+                        <a:t>0</a:t>
+                      </a:r>
+                      <a:endParaRPr lang="zh-TW" altLang="en-US" dirty="0"/>
+                    </a:p>
+                  </a:txBody>
+                  <a:tcPr/>
+                </a:tc>
+                <a:tc>
+                  <a:txBody>
+                    <a:bodyPr/>
+                    <a:lstStyle/>
+                    <a:p>
+                      <a:pPr algn="ctr"/>
+                      <a:r>
+                        <a:rPr lang="en-US" altLang="zh-TW" dirty="0"/>
+                        <a:t>-8</a:t>
+                      </a:r>
+                      <a:endParaRPr lang="zh-TW" altLang="en-US" dirty="0"/>
+                    </a:p>
+                  </a:txBody>
+                  <a:tcPr/>
+                </a:tc>
+                <a:extLst>
+                  <a:ext uri="{0D108BD9-81ED-4DB2-BD59-A6C34878D82A}">
+                    <a16:rowId xmlns:a16="http://schemas.microsoft.com/office/drawing/2014/main" val="4018097662"/>
+                  </a:ext>
+                </a:extLst>
+              </a:tr>
+              <a:tr h="370840">
+                <a:tc>
+                  <a:txBody>
+                    <a:bodyPr/>
+                    <a:lstStyle/>
+                    <a:p>
+                      <a:pPr algn="ctr"/>
+                      <a:r>
+                        <a:rPr lang="en-US" altLang="zh-TW" dirty="0"/>
+                        <a:t>p &gt;&gt; 1</a:t>
+                      </a:r>
+                      <a:endParaRPr lang="zh-TW" altLang="en-US" dirty="0"/>
+                    </a:p>
+                  </a:txBody>
+                  <a:tcPr/>
+                </a:tc>
+                <a:tc>
+                  <a:txBody>
+                    <a:bodyPr/>
+                    <a:lstStyle/>
+                    <a:p>
+                      <a:pPr algn="ctr"/>
+                      <a:r>
+                        <a:rPr lang="en-US" altLang="zh-TW" dirty="0"/>
+                        <a:t>0</a:t>
+                      </a:r>
+                      <a:endParaRPr lang="zh-TW" altLang="en-US" dirty="0"/>
+                    </a:p>
+                  </a:txBody>
+                  <a:tcPr/>
+                </a:tc>
+                <a:tc>
+                  <a:txBody>
+                    <a:bodyPr/>
+                    <a:lstStyle/>
+                    <a:p>
+                      <a:pPr algn="ctr"/>
+                      <a:r>
+                        <a:rPr lang="en-US" altLang="zh-TW" dirty="0"/>
+                        <a:t>1</a:t>
+                      </a:r>
+                      <a:endParaRPr lang="zh-TW" altLang="en-US" dirty="0"/>
+                    </a:p>
+                  </a:txBody>
+                  <a:tcPr/>
+                </a:tc>
+                <a:tc>
+                  <a:txBody>
+                    <a:bodyPr/>
+                    <a:lstStyle/>
+                    <a:p>
+                      <a:pPr algn="ctr"/>
+                      <a:r>
+                        <a:rPr lang="en-US" altLang="zh-TW" dirty="0"/>
+                        <a:t>0</a:t>
+                      </a:r>
+                      <a:endParaRPr lang="zh-TW" altLang="en-US" dirty="0"/>
+                    </a:p>
+                  </a:txBody>
+                  <a:tcPr/>
+                </a:tc>
+                <a:tc>
+                  <a:txBody>
+                    <a:bodyPr/>
+                    <a:lstStyle/>
+                    <a:p>
+                      <a:pPr algn="ctr"/>
+                      <a:r>
+                        <a:rPr lang="en-US" altLang="zh-TW" dirty="0"/>
+                        <a:t>1</a:t>
+                      </a:r>
+                      <a:endParaRPr lang="zh-TW" altLang="en-US" dirty="0"/>
+                    </a:p>
+                  </a:txBody>
+                  <a:tcPr/>
+                </a:tc>
+                <a:tc>
+                  <a:txBody>
+                    <a:bodyPr/>
+                    <a:lstStyle/>
+                    <a:p>
+                      <a:pPr algn="ctr"/>
+                      <a:r>
+                        <a:rPr lang="en-US" altLang="zh-TW" dirty="0"/>
+                        <a:t>5</a:t>
+                      </a:r>
+                      <a:endParaRPr lang="zh-TW" altLang="en-US" dirty="0"/>
+                    </a:p>
+                  </a:txBody>
+                  <a:tcPr/>
+                </a:tc>
+                <a:extLst>
+                  <a:ext uri="{0D108BD9-81ED-4DB2-BD59-A6C34878D82A}">
+                    <a16:rowId xmlns:a16="http://schemas.microsoft.com/office/drawing/2014/main" val="2016999184"/>
+                  </a:ext>
+                </a:extLst>
+              </a:tr>
+              <a:tr h="370840">
+                <a:tc>
+                  <a:txBody>
+                    <a:bodyPr/>
+                    <a:lstStyle/>
+                    <a:p>
+                      <a:pPr marL="0" marR="0" lvl="0" indent="0" algn="ctr" defTabSz="914400" rtl="0" eaLnBrk="1" fontAlgn="auto" latinLnBrk="0" hangingPunct="1">
+                        <a:lnSpc>
+                          <a:spcPct val="100000"/>
+                        </a:lnSpc>
+                        <a:spcBef>
+                          <a:spcPts val="0"/>
+                        </a:spcBef>
+                        <a:spcAft>
+                          <a:spcPts val="0"/>
+                        </a:spcAft>
+                        <a:buClrTx/>
+                        <a:buSzTx/>
+                        <a:buFontTx/>
+                        <a:buNone/>
+                        <a:tabLst/>
+                        <a:defRPr/>
+                      </a:pPr>
+                      <a:r>
+                        <a:rPr lang="en-US" altLang="zh-TW" dirty="0"/>
+                        <a:t>p &gt;&gt; 2</a:t>
+                      </a:r>
+                      <a:endParaRPr lang="zh-TW" altLang="en-US" dirty="0"/>
+                    </a:p>
+                  </a:txBody>
+                  <a:tcPr/>
+                </a:tc>
+                <a:tc>
+                  <a:txBody>
+                    <a:bodyPr/>
+                    <a:lstStyle/>
+                    <a:p>
+                      <a:pPr algn="ctr"/>
+                      <a:r>
+                        <a:rPr lang="en-US" altLang="zh-TW" dirty="0"/>
+                        <a:t>0</a:t>
+                      </a:r>
+                      <a:endParaRPr lang="zh-TW" altLang="en-US" dirty="0"/>
+                    </a:p>
+                  </a:txBody>
+                  <a:tcPr/>
+                </a:tc>
+                <a:tc>
+                  <a:txBody>
+                    <a:bodyPr/>
+                    <a:lstStyle/>
+                    <a:p>
+                      <a:pPr algn="ctr"/>
+                      <a:r>
+                        <a:rPr lang="en-US" altLang="zh-TW" dirty="0"/>
+                        <a:t>0</a:t>
+                      </a:r>
+                      <a:endParaRPr lang="zh-TW" altLang="en-US" dirty="0"/>
+                    </a:p>
+                  </a:txBody>
+                  <a:tcPr/>
+                </a:tc>
+                <a:tc>
+                  <a:txBody>
+                    <a:bodyPr/>
+                    <a:lstStyle/>
+                    <a:p>
+                      <a:pPr algn="ctr"/>
+                      <a:r>
+                        <a:rPr lang="en-US" altLang="zh-TW" dirty="0"/>
+                        <a:t>1</a:t>
+                      </a:r>
+                      <a:endParaRPr lang="zh-TW" altLang="en-US" dirty="0"/>
+                    </a:p>
+                  </a:txBody>
+                  <a:tcPr/>
+                </a:tc>
+                <a:tc>
+                  <a:txBody>
+                    <a:bodyPr/>
+                    <a:lstStyle/>
+                    <a:p>
+                      <a:pPr algn="ctr"/>
+                      <a:r>
+                        <a:rPr lang="en-US" altLang="zh-TW" dirty="0"/>
+                        <a:t>0</a:t>
+                      </a:r>
+                      <a:endParaRPr lang="zh-TW" altLang="en-US" dirty="0"/>
+                    </a:p>
+                  </a:txBody>
+                  <a:tcPr/>
+                </a:tc>
+                <a:tc>
+                  <a:txBody>
+                    <a:bodyPr/>
+                    <a:lstStyle/>
+                    <a:p>
+                      <a:pPr algn="ctr"/>
+                      <a:r>
+                        <a:rPr lang="en-US" altLang="zh-TW" dirty="0"/>
+                        <a:t>2</a:t>
+                      </a:r>
+                      <a:endParaRPr lang="zh-TW" altLang="en-US" dirty="0"/>
+                    </a:p>
+                  </a:txBody>
+                  <a:tcPr/>
+                </a:tc>
+                <a:extLst>
+                  <a:ext uri="{0D108BD9-81ED-4DB2-BD59-A6C34878D82A}">
+                    <a16:rowId xmlns:a16="http://schemas.microsoft.com/office/drawing/2014/main" val="3614207818"/>
+                  </a:ext>
+                </a:extLst>
+              </a:tr>
+              <a:tr h="370840">
+                <a:tc>
+                  <a:txBody>
+                    <a:bodyPr/>
+                    <a:lstStyle/>
+                    <a:p>
+                      <a:pPr marL="0" marR="0" lvl="0" indent="0" algn="ctr" defTabSz="914400" rtl="0" eaLnBrk="1" fontAlgn="auto" latinLnBrk="0" hangingPunct="1">
+                        <a:lnSpc>
+                          <a:spcPct val="100000"/>
+                        </a:lnSpc>
+                        <a:spcBef>
+                          <a:spcPts val="0"/>
+                        </a:spcBef>
+                        <a:spcAft>
+                          <a:spcPts val="0"/>
+                        </a:spcAft>
+                        <a:buClrTx/>
+                        <a:buSzTx/>
+                        <a:buFontTx/>
+                        <a:buNone/>
+                        <a:tabLst/>
+                        <a:defRPr/>
+                      </a:pPr>
+                      <a:r>
+                        <a:rPr lang="en-US" altLang="zh-TW" dirty="0"/>
+                        <a:t>p &gt;&gt; 3</a:t>
+                      </a:r>
+                      <a:endParaRPr lang="zh-TW" altLang="en-US" dirty="0"/>
+                    </a:p>
+                  </a:txBody>
+                  <a:tcPr/>
+                </a:tc>
+                <a:tc>
+                  <a:txBody>
+                    <a:bodyPr/>
+                    <a:lstStyle/>
+                    <a:p>
+                      <a:pPr algn="ctr"/>
+                      <a:r>
+                        <a:rPr lang="en-US" altLang="zh-TW" dirty="0"/>
+                        <a:t>0</a:t>
+                      </a:r>
+                      <a:endParaRPr lang="zh-TW" altLang="en-US" dirty="0"/>
+                    </a:p>
+                  </a:txBody>
+                  <a:tcPr/>
+                </a:tc>
+                <a:tc>
+                  <a:txBody>
+                    <a:bodyPr/>
+                    <a:lstStyle/>
+                    <a:p>
+                      <a:pPr algn="ctr"/>
+                      <a:r>
+                        <a:rPr lang="en-US" altLang="zh-TW" dirty="0"/>
+                        <a:t>0</a:t>
+                      </a:r>
+                      <a:endParaRPr lang="zh-TW" altLang="en-US" dirty="0"/>
+                    </a:p>
+                  </a:txBody>
+                  <a:tcPr/>
+                </a:tc>
+                <a:tc>
+                  <a:txBody>
+                    <a:bodyPr/>
+                    <a:lstStyle/>
+                    <a:p>
+                      <a:pPr algn="ctr"/>
+                      <a:r>
+                        <a:rPr lang="en-US" altLang="zh-TW" dirty="0"/>
+                        <a:t>0</a:t>
+                      </a:r>
+                      <a:endParaRPr lang="zh-TW" altLang="en-US" dirty="0"/>
+                    </a:p>
+                  </a:txBody>
+                  <a:tcPr/>
+                </a:tc>
+                <a:tc>
+                  <a:txBody>
+                    <a:bodyPr/>
+                    <a:lstStyle/>
+                    <a:p>
+                      <a:pPr algn="ctr"/>
+                      <a:r>
+                        <a:rPr lang="en-US" altLang="zh-TW" dirty="0"/>
+                        <a:t>1</a:t>
+                      </a:r>
+                      <a:endParaRPr lang="zh-TW" altLang="en-US" dirty="0"/>
+                    </a:p>
+                  </a:txBody>
+                  <a:tcPr/>
+                </a:tc>
+                <a:tc>
+                  <a:txBody>
+                    <a:bodyPr/>
+                    <a:lstStyle/>
+                    <a:p>
+                      <a:pPr algn="ctr"/>
+                      <a:r>
+                        <a:rPr lang="en-US" altLang="zh-TW" dirty="0"/>
+                        <a:t>1</a:t>
+                      </a:r>
+                      <a:endParaRPr lang="zh-TW" altLang="en-US" dirty="0"/>
+                    </a:p>
+                  </a:txBody>
+                  <a:tcPr/>
+                </a:tc>
+                <a:extLst>
+                  <a:ext uri="{0D108BD9-81ED-4DB2-BD59-A6C34878D82A}">
+                    <a16:rowId xmlns:a16="http://schemas.microsoft.com/office/drawing/2014/main" val="629912916"/>
+                  </a:ext>
+                </a:extLst>
+              </a:tr>
+            </a:tbl>
+          </a:graphicData>
+        </a:graphic>
+      </p:graphicFrame>
+      <p:sp>
+        <p:nvSpPr>
+          <p:cNvPr id="7" name="文字方塊 6">
+            <a:extLst>
+              <a:ext uri="{FF2B5EF4-FFF2-40B4-BE49-F238E27FC236}">
+                <a16:creationId xmlns:a16="http://schemas.microsoft.com/office/drawing/2014/main" id="{5579B078-B92F-480D-BEEE-3E1D7E886DAD}"/>
+              </a:ext>
+            </a:extLst>
+          </p:cNvPr>
+          <p:cNvSpPr txBox="1"/>
+          <p:nvPr/>
+        </p:nvSpPr>
+        <p:spPr>
+          <a:xfrm>
+            <a:off x="1398" y="6492875"/>
+            <a:ext cx="6094602" cy="369332"/>
+          </a:xfrm>
+          <a:prstGeom prst="rect">
+            <a:avLst/>
+          </a:prstGeom>
+          <a:noFill/>
+        </p:spPr>
+        <p:txBody>
+          <a:bodyPr wrap="square">
+            <a:spAutoFit/>
+          </a:bodyPr>
+          <a:lstStyle/>
+          <a:p>
+            <a:r>
+              <a:rPr lang="zh-TW" altLang="en-US" dirty="0"/>
+              <a:t>https://en.cppreference.com/w/cpp/language/reinterpret_cast</a:t>
+            </a:r>
+          </a:p>
+        </p:txBody>
+      </p:sp>
+    </p:spTree>
+    <p:extLst>
+      <p:ext uri="{BB962C8B-B14F-4D97-AF65-F5344CB8AC3E}">
+        <p14:creationId xmlns:p14="http://schemas.microsoft.com/office/powerpoint/2010/main" val="2619299785"/>
+      </p:ext>
+    </p:extLst>
+  </p:cSld>
+  <p:clrMapOvr>
+    <a:masterClrMapping/>
+  </p:clrMapOvr>
+</p:sld>
+</file>
+
+<file path=ppt/slides/slide28.xml><?xml version="1.0" encoding="utf-8"?>
+<p:sld xmlns:a="http://schemas.openxmlformats.org/drawingml/2006/main" xmlns:r="http://schemas.openxmlformats.org/officeDocument/2006/relationships" xmlns:p="http://schemas.openxmlformats.org/presentationml/2006/main">
+  <p:cSld>
+    <p:spTree>
+      <p:nvGrpSpPr>
+        <p:cNvPr id="1" name=""/>
+        <p:cNvGrpSpPr/>
+        <p:nvPr/>
+      </p:nvGrpSpPr>
+      <p:grpSpPr>
+        <a:xfrm>
+          <a:off x="0" y="0"/>
+          <a:ext cx="0" cy="0"/>
+          <a:chOff x="0" y="0"/>
+          <a:chExt cx="0" cy="0"/>
+        </a:xfrm>
+      </p:grpSpPr>
+      <p:sp>
+        <p:nvSpPr>
+          <p:cNvPr id="2" name="標題 1">
+            <a:extLst>
+              <a:ext uri="{FF2B5EF4-FFF2-40B4-BE49-F238E27FC236}">
                 <a16:creationId xmlns:a16="http://schemas.microsoft.com/office/drawing/2014/main" id="{1FB1BCF0-149D-475C-8AA6-0EEF05D26DFD}"/>
               </a:ext>
             </a:extLst>
@@ -24845,7 +27001,7 @@
 </p:sld>
 </file>
 
-<file path=ppt/slides/slide28.xml><?xml version="1.0" encoding="utf-8"?>
+<file path=ppt/slides/slide29.xml><?xml version="1.0" encoding="utf-8"?>
 <p:sld xmlns:a="http://schemas.openxmlformats.org/drawingml/2006/main" xmlns:r="http://schemas.openxmlformats.org/officeDocument/2006/relationships" xmlns:p="http://schemas.openxmlformats.org/presentationml/2006/main">
   <p:cSld>
     <p:spTree>
